--- a/doc/Report/Oct 04 2020.pptx
+++ b/doc/Report/Oct 04 2020.pptx
@@ -214,7 +214,7 @@
           <a:p>
             <a:fld id="{97BE2177-E45B-449F-AE2E-ED4743253C6D}" type="datetimeFigureOut">
               <a:rPr lang="zh-CN" altLang="en-US" smtClean="0"/>
-              <a:t>2020/10/4</a:t>
+              <a:t>2020/10/7</a:t>
             </a:fld>
             <a:endParaRPr lang="zh-CN" altLang="en-US"/>
           </a:p>
@@ -1132,7 +1132,7 @@
           <a:p>
             <a:fld id="{B9614994-C529-43AC-BD2C-52D47B0301A5}" type="datetimeFigureOut">
               <a:rPr lang="zh-CN" altLang="en-US" smtClean="0"/>
-              <a:t>2020/10/4</a:t>
+              <a:t>2020/10/7</a:t>
             </a:fld>
             <a:endParaRPr lang="zh-CN" altLang="en-US"/>
           </a:p>
@@ -1330,7 +1330,7 @@
           <a:p>
             <a:fld id="{B9614994-C529-43AC-BD2C-52D47B0301A5}" type="datetimeFigureOut">
               <a:rPr lang="zh-CN" altLang="en-US" smtClean="0"/>
-              <a:t>2020/10/4</a:t>
+              <a:t>2020/10/7</a:t>
             </a:fld>
             <a:endParaRPr lang="zh-CN" altLang="en-US"/>
           </a:p>
@@ -1538,7 +1538,7 @@
           <a:p>
             <a:fld id="{B9614994-C529-43AC-BD2C-52D47B0301A5}" type="datetimeFigureOut">
               <a:rPr lang="zh-CN" altLang="en-US" smtClean="0"/>
-              <a:t>2020/10/4</a:t>
+              <a:t>2020/10/7</a:t>
             </a:fld>
             <a:endParaRPr lang="zh-CN" altLang="en-US"/>
           </a:p>
@@ -1736,7 +1736,7 @@
           <a:p>
             <a:fld id="{B9614994-C529-43AC-BD2C-52D47B0301A5}" type="datetimeFigureOut">
               <a:rPr lang="zh-CN" altLang="en-US" smtClean="0"/>
-              <a:t>2020/10/4</a:t>
+              <a:t>2020/10/7</a:t>
             </a:fld>
             <a:endParaRPr lang="zh-CN" altLang="en-US"/>
           </a:p>
@@ -2011,7 +2011,7 @@
           <a:p>
             <a:fld id="{B9614994-C529-43AC-BD2C-52D47B0301A5}" type="datetimeFigureOut">
               <a:rPr lang="zh-CN" altLang="en-US" smtClean="0"/>
-              <a:t>2020/10/4</a:t>
+              <a:t>2020/10/7</a:t>
             </a:fld>
             <a:endParaRPr lang="zh-CN" altLang="en-US"/>
           </a:p>
@@ -2276,7 +2276,7 @@
           <a:p>
             <a:fld id="{B9614994-C529-43AC-BD2C-52D47B0301A5}" type="datetimeFigureOut">
               <a:rPr lang="zh-CN" altLang="en-US" smtClean="0"/>
-              <a:t>2020/10/4</a:t>
+              <a:t>2020/10/7</a:t>
             </a:fld>
             <a:endParaRPr lang="zh-CN" altLang="en-US"/>
           </a:p>
@@ -2688,7 +2688,7 @@
           <a:p>
             <a:fld id="{B9614994-C529-43AC-BD2C-52D47B0301A5}" type="datetimeFigureOut">
               <a:rPr lang="zh-CN" altLang="en-US" smtClean="0"/>
-              <a:t>2020/10/4</a:t>
+              <a:t>2020/10/7</a:t>
             </a:fld>
             <a:endParaRPr lang="zh-CN" altLang="en-US"/>
           </a:p>
@@ -2829,7 +2829,7 @@
           <a:p>
             <a:fld id="{B9614994-C529-43AC-BD2C-52D47B0301A5}" type="datetimeFigureOut">
               <a:rPr lang="zh-CN" altLang="en-US" smtClean="0"/>
-              <a:t>2020/10/4</a:t>
+              <a:t>2020/10/7</a:t>
             </a:fld>
             <a:endParaRPr lang="zh-CN" altLang="en-US"/>
           </a:p>
@@ -2942,7 +2942,7 @@
           <a:p>
             <a:fld id="{B9614994-C529-43AC-BD2C-52D47B0301A5}" type="datetimeFigureOut">
               <a:rPr lang="zh-CN" altLang="en-US" smtClean="0"/>
-              <a:t>2020/10/4</a:t>
+              <a:t>2020/10/7</a:t>
             </a:fld>
             <a:endParaRPr lang="zh-CN" altLang="en-US"/>
           </a:p>
@@ -3253,7 +3253,7 @@
           <a:p>
             <a:fld id="{B9614994-C529-43AC-BD2C-52D47B0301A5}" type="datetimeFigureOut">
               <a:rPr lang="zh-CN" altLang="en-US" smtClean="0"/>
-              <a:t>2020/10/4</a:t>
+              <a:t>2020/10/7</a:t>
             </a:fld>
             <a:endParaRPr lang="zh-CN" altLang="en-US"/>
           </a:p>
@@ -3541,7 +3541,7 @@
           <a:p>
             <a:fld id="{B9614994-C529-43AC-BD2C-52D47B0301A5}" type="datetimeFigureOut">
               <a:rPr lang="zh-CN" altLang="en-US" smtClean="0"/>
-              <a:t>2020/10/4</a:t>
+              <a:t>2020/10/7</a:t>
             </a:fld>
             <a:endParaRPr lang="zh-CN" altLang="en-US"/>
           </a:p>
@@ -3782,7 +3782,7 @@
           <a:p>
             <a:fld id="{B9614994-C529-43AC-BD2C-52D47B0301A5}" type="datetimeFigureOut">
               <a:rPr lang="zh-CN" altLang="en-US" smtClean="0"/>
-              <a:t>2020/10/4</a:t>
+              <a:t>2020/10/7</a:t>
             </a:fld>
             <a:endParaRPr lang="zh-CN" altLang="en-US"/>
           </a:p>
@@ -5380,7 +5380,49 @@
             <a:pPr lvl="3"/>
             <a:r>
               <a:rPr lang="en-US" altLang="zh-CN" dirty="0"/>
-              <a:t>…</a:t>
+              <a:t>Prof. </a:t>
+            </a:r>
+            <a:r>
+              <a:rPr lang="en-US" altLang="zh-CN" dirty="0" err="1"/>
+              <a:t>Sina</a:t>
+            </a:r>
+            <a:r>
+              <a:rPr lang="en-US" altLang="zh-CN" dirty="0"/>
+              <a:t> </a:t>
+            </a:r>
+            <a:r>
+              <a:rPr lang="en-US" altLang="zh-CN" dirty="0" err="1"/>
+              <a:t>Farsiu</a:t>
+            </a:r>
+            <a:endParaRPr lang="en-US" altLang="zh-CN" dirty="0"/>
+          </a:p>
+          <a:p>
+            <a:pPr lvl="3"/>
+            <a:r>
+              <a:rPr lang="en-US" altLang="zh-CN" dirty="0"/>
+              <a:t>Prof. David Carlson</a:t>
+            </a:r>
+          </a:p>
+          <a:p>
+            <a:pPr lvl="3"/>
+            <a:r>
+              <a:rPr lang="en-US" altLang="zh-CN" dirty="0"/>
+              <a:t>Prof. </a:t>
+            </a:r>
+            <a:r>
+              <a:rPr lang="en-US" altLang="zh-CN" dirty="0" err="1"/>
+              <a:t>Yiran</a:t>
+            </a:r>
+            <a:r>
+              <a:rPr lang="en-US" altLang="zh-CN" dirty="0"/>
+              <a:t> Chen</a:t>
+            </a:r>
+          </a:p>
+          <a:p>
+            <a:pPr lvl="3"/>
+            <a:r>
+              <a:rPr lang="en-US" altLang="zh-CN" dirty="0"/>
+              <a:t>Prof. Helen Li</a:t>
             </a:r>
           </a:p>
           <a:p>
